--- a/Week 4/051 - Lesson 5 - Motion Sensor Burglar Alarm.pptx
+++ b/Week 4/051 - Lesson 5 - Motion Sensor Burglar Alarm.pptx
@@ -3367,7 +3367,7 @@
               <a:rPr lang="en-US" sz="4400" b="1" dirty="0">
                 <a:latin typeface="+mn-lt"/>
               </a:rPr>
-              <a:t>Burglar Alarm</a:t>
+              <a:t>Lesson #4</a:t>
             </a:r>
           </a:p>
         </p:txBody>
@@ -3396,15 +3396,9 @@
         </p:spPr>
         <p:txBody>
           <a:bodyPr>
-            <a:normAutofit lnSpcReduction="10000"/>
+            <a:normAutofit/>
           </a:bodyPr>
           <a:lstStyle/>
-          <a:p>
-            <a:r>
-              <a:rPr lang="en-US" dirty="0"/>
-              <a:t>Lesson #4</a:t>
-            </a:r>
-          </a:p>
           <a:p>
             <a:r>
               <a:rPr lang="en-US" dirty="0"/>
